--- a/Slides/010919-MChowdhury.pptx
+++ b/Slides/010919-MChowdhury.pptx
@@ -236,7 +236,7 @@
           <a:p>
             <a:fld id="{7B04D10A-81D1-8748-8404-C44E2799F913}" type="datetimeFigureOut">
               <a:rPr lang="en-US" smtClean="0"/>
-              <a:t>1/8/19</a:t>
+              <a:t>1/9/19</a:t>
             </a:fld>
             <a:endParaRPr lang="en-US"/>
           </a:p>
@@ -11931,7 +11931,7 @@
             <a:spLocks noGrp="1"/>
           </p:cNvSpPr>
           <p:nvPr>
-            <p:ph idx="1"/>
+            <p:ph sz="half" idx="1"/>
           </p:nvPr>
         </p:nvSpPr>
         <p:spPr/>
@@ -11994,6 +11994,35 @@
           </a:p>
         </p:txBody>
       </p:sp>
+      <p:pic>
+        <p:nvPicPr>
+          <p:cNvPr id="9" name="Content Placeholder 8">
+            <a:extLst>
+              <a:ext uri="{FF2B5EF4-FFF2-40B4-BE49-F238E27FC236}">
+                <a16:creationId xmlns:a16="http://schemas.microsoft.com/office/drawing/2014/main" id="{8C75F1EF-7354-AB4E-8500-27FAEAAF8CF8}"/>
+              </a:ext>
+            </a:extLst>
+          </p:cNvPr>
+          <p:cNvPicPr>
+            <a:picLocks noGrp="1" noChangeAspect="1"/>
+          </p:cNvPicPr>
+          <p:nvPr>
+            <p:ph sz="half" idx="2"/>
+          </p:nvPr>
+        </p:nvPicPr>
+        <p:blipFill>
+          <a:blip r:embed="rId2"/>
+          <a:stretch>
+            <a:fillRect/>
+          </a:stretch>
+        </p:blipFill>
+        <p:spPr>
+          <a:xfrm>
+            <a:off x="6587331" y="1825625"/>
+            <a:ext cx="4351338" cy="4351338"/>
+          </a:xfrm>
+        </p:spPr>
+      </p:pic>
       <p:sp>
         <p:nvSpPr>
           <p:cNvPr id="4" name="Date Placeholder 3"/>
